--- a/Präsentation.pptx
+++ b/Präsentation.pptx
@@ -3363,7 +3363,7 @@
           <a:p>
             <a:r>
               <a:rPr lang="de-DE" altLang="en-US"/>
-              <a:t>torque</a:t>
+              <a:t>torqueDrag</a:t>
             </a:r>
             <a:endParaRPr lang="de-DE" altLang="en-US"/>
           </a:p>
